--- a/slides/p4106 - projects.pptx
+++ b/slides/p4106 - projects.pptx
@@ -10,6 +10,8 @@
     <p:sldId id="260" r:id="rId4"/>
     <p:sldId id="258" r:id="rId5"/>
     <p:sldId id="259" r:id="rId6"/>
+    <p:sldId id="261" r:id="rId7"/>
+    <p:sldId id="262" r:id="rId8"/>
   </p:sldIdLst>
   <p:sldSz cx="12192000" cy="6858000"/>
   <p:notesSz cx="6858000" cy="9144000"/>
@@ -108,6 +110,11 @@
       </a:defRPr>
     </a:lvl9pPr>
   </p:defaultTextStyle>
+  <p:extLst>
+    <p:ext uri="{EFAFB233-063F-42B5-8137-9DF3F51BA10A}">
+      <p15:sldGuideLst xmlns:p15="http://schemas.microsoft.com/office/powerpoint/2012/main"/>
+    </p:ext>
+  </p:extLst>
 </p:presentation>
 </file>
 
@@ -260,7 +267,7 @@
           <a:p>
             <a:fld id="{B5DD868A-E21B-DB4F-A0B4-679AD6AB37F3}" type="datetimeFigureOut">
               <a:rPr lang="en-US" smtClean="0"/>
-              <a:t>11/3/21</a:t>
+              <a:t>11/2/22</a:t>
             </a:fld>
             <a:endParaRPr lang="en-US"/>
           </a:p>
@@ -460,7 +467,7 @@
           <a:p>
             <a:fld id="{B5DD868A-E21B-DB4F-A0B4-679AD6AB37F3}" type="datetimeFigureOut">
               <a:rPr lang="en-US" smtClean="0"/>
-              <a:t>11/3/21</a:t>
+              <a:t>11/2/22</a:t>
             </a:fld>
             <a:endParaRPr lang="en-US"/>
           </a:p>
@@ -670,7 +677,7 @@
           <a:p>
             <a:fld id="{B5DD868A-E21B-DB4F-A0B4-679AD6AB37F3}" type="datetimeFigureOut">
               <a:rPr lang="en-US" smtClean="0"/>
-              <a:t>11/3/21</a:t>
+              <a:t>11/2/22</a:t>
             </a:fld>
             <a:endParaRPr lang="en-US"/>
           </a:p>
@@ -870,7 +877,7 @@
           <a:p>
             <a:fld id="{B5DD868A-E21B-DB4F-A0B4-679AD6AB37F3}" type="datetimeFigureOut">
               <a:rPr lang="en-US" smtClean="0"/>
-              <a:t>11/3/21</a:t>
+              <a:t>11/2/22</a:t>
             </a:fld>
             <a:endParaRPr lang="en-US"/>
           </a:p>
@@ -1146,7 +1153,7 @@
           <a:p>
             <a:fld id="{B5DD868A-E21B-DB4F-A0B4-679AD6AB37F3}" type="datetimeFigureOut">
               <a:rPr lang="en-US" smtClean="0"/>
-              <a:t>11/3/21</a:t>
+              <a:t>11/2/22</a:t>
             </a:fld>
             <a:endParaRPr lang="en-US"/>
           </a:p>
@@ -1414,7 +1421,7 @@
           <a:p>
             <a:fld id="{B5DD868A-E21B-DB4F-A0B4-679AD6AB37F3}" type="datetimeFigureOut">
               <a:rPr lang="en-US" smtClean="0"/>
-              <a:t>11/3/21</a:t>
+              <a:t>11/2/22</a:t>
             </a:fld>
             <a:endParaRPr lang="en-US"/>
           </a:p>
@@ -1829,7 +1836,7 @@
           <a:p>
             <a:fld id="{B5DD868A-E21B-DB4F-A0B4-679AD6AB37F3}" type="datetimeFigureOut">
               <a:rPr lang="en-US" smtClean="0"/>
-              <a:t>11/3/21</a:t>
+              <a:t>11/2/22</a:t>
             </a:fld>
             <a:endParaRPr lang="en-US"/>
           </a:p>
@@ -1971,7 +1978,7 @@
           <a:p>
             <a:fld id="{B5DD868A-E21B-DB4F-A0B4-679AD6AB37F3}" type="datetimeFigureOut">
               <a:rPr lang="en-US" smtClean="0"/>
-              <a:t>11/3/21</a:t>
+              <a:t>11/2/22</a:t>
             </a:fld>
             <a:endParaRPr lang="en-US"/>
           </a:p>
@@ -2084,7 +2091,7 @@
           <a:p>
             <a:fld id="{B5DD868A-E21B-DB4F-A0B4-679AD6AB37F3}" type="datetimeFigureOut">
               <a:rPr lang="en-US" smtClean="0"/>
-              <a:t>11/3/21</a:t>
+              <a:t>11/2/22</a:t>
             </a:fld>
             <a:endParaRPr lang="en-US"/>
           </a:p>
@@ -2397,7 +2404,7 @@
           <a:p>
             <a:fld id="{B5DD868A-E21B-DB4F-A0B4-679AD6AB37F3}" type="datetimeFigureOut">
               <a:rPr lang="en-US" smtClean="0"/>
-              <a:t>11/3/21</a:t>
+              <a:t>11/2/22</a:t>
             </a:fld>
             <a:endParaRPr lang="en-US"/>
           </a:p>
@@ -2686,7 +2693,7 @@
           <a:p>
             <a:fld id="{B5DD868A-E21B-DB4F-A0B4-679AD6AB37F3}" type="datetimeFigureOut">
               <a:rPr lang="en-US" smtClean="0"/>
-              <a:t>11/3/21</a:t>
+              <a:t>11/2/22</a:t>
             </a:fld>
             <a:endParaRPr lang="en-US"/>
           </a:p>
@@ -2929,7 +2936,7 @@
           <a:p>
             <a:fld id="{B5DD868A-E21B-DB4F-A0B4-679AD6AB37F3}" type="datetimeFigureOut">
               <a:rPr lang="en-US" smtClean="0"/>
-              <a:t>11/3/21</a:t>
+              <a:t>11/2/22</a:t>
             </a:fld>
             <a:endParaRPr lang="en-US"/>
           </a:p>
@@ -3633,14 +3640,40 @@
           <a:p>
             <a:r>
               <a:rPr lang="en-US" dirty="0"/>
-              <a:t>Pick your topic by next Friday. </a:t>
+              <a:t>Pick your project by Friday Week 9.</a:t>
             </a:r>
           </a:p>
           <a:p>
             <a:r>
               <a:rPr lang="en-US" dirty="0"/>
-              <a:t>Needs to be approved by me. </a:t>
-            </a:r>
+              <a:t>Email me:</a:t>
+            </a:r>
+          </a:p>
+          <a:p>
+            <a:pPr lvl="1"/>
+            <a:r>
+              <a:rPr lang="en-US" dirty="0"/>
+              <a:t>What is your topic and question?</a:t>
+            </a:r>
+          </a:p>
+          <a:p>
+            <a:pPr lvl="1"/>
+            <a:r>
+              <a:rPr lang="en-US" dirty="0"/>
+              <a:t>What is your dataset?</a:t>
+            </a:r>
+          </a:p>
+          <a:p>
+            <a:pPr lvl="1"/>
+            <a:r>
+              <a:rPr lang="en-US" dirty="0"/>
+              <a:t>Any question you might </a:t>
+            </a:r>
+            <a:r>
+              <a:rPr lang="en-US" dirty="0" err="1"/>
+              <a:t>hae</a:t>
+            </a:r>
+            <a:endParaRPr lang="en-US" dirty="0"/>
           </a:p>
         </p:txBody>
       </p:sp>
@@ -3721,7 +3754,7 @@
         <p:spPr/>
         <p:txBody>
           <a:bodyPr>
-            <a:normAutofit lnSpcReduction="10000"/>
+            <a:normAutofit/>
           </a:bodyPr>
           <a:lstStyle/>
           <a:p>
@@ -3768,17 +3801,6 @@
               <a:rPr lang="en-US" dirty="0"/>
               <a:t> The templates provide example questions.  Projects for this module would typically only be 1 or 2 of the “green” section boxes</a:t>
             </a:r>
-          </a:p>
-          <a:p>
-            <a:r>
-              <a:rPr lang="en-US" dirty="0"/>
-              <a:t>Explore these </a:t>
-            </a:r>
-            <a:r>
-              <a:rPr lang="en-US"/>
-              <a:t>projects today. </a:t>
-            </a:r>
-            <a:endParaRPr lang="en-US" dirty="0"/>
           </a:p>
         </p:txBody>
       </p:sp>
@@ -3881,6 +3903,574 @@
     <p:extLst>
       <p:ext uri="{BB962C8B-B14F-4D97-AF65-F5344CB8AC3E}">
         <p14:creationId xmlns:p14="http://schemas.microsoft.com/office/powerpoint/2010/main" val="1458317093"/>
+      </p:ext>
+    </p:extLst>
+  </p:cSld>
+  <p:clrMapOvr>
+    <a:masterClrMapping/>
+  </p:clrMapOvr>
+</p:sld>
+</file>
+
+<file path=ppt/slides/slide6.xml><?xml version="1.0" encoding="utf-8"?>
+<p:sld xmlns:a="http://schemas.openxmlformats.org/drawingml/2006/main" xmlns:r="http://schemas.openxmlformats.org/officeDocument/2006/relationships" xmlns:p="http://schemas.openxmlformats.org/presentationml/2006/main">
+  <p:cSld>
+    <p:spTree>
+      <p:nvGrpSpPr>
+        <p:cNvPr id="1" name=""/>
+        <p:cNvGrpSpPr/>
+        <p:nvPr/>
+      </p:nvGrpSpPr>
+      <p:grpSpPr>
+        <a:xfrm>
+          <a:off x="0" y="0"/>
+          <a:ext cx="0" cy="0"/>
+          <a:chOff x="0" y="0"/>
+          <a:chExt cx="0" cy="0"/>
+        </a:xfrm>
+      </p:grpSpPr>
+      <p:sp>
+        <p:nvSpPr>
+          <p:cNvPr id="2" name="Title 1">
+            <a:extLst>
+              <a:ext uri="{FF2B5EF4-FFF2-40B4-BE49-F238E27FC236}">
+                <a16:creationId xmlns:a16="http://schemas.microsoft.com/office/drawing/2014/main" id="{4D1D4A6C-44DC-B939-F598-7822C9CC5CB0}"/>
+              </a:ext>
+            </a:extLst>
+          </p:cNvPr>
+          <p:cNvSpPr>
+            <a:spLocks noGrp="1"/>
+          </p:cNvSpPr>
+          <p:nvPr>
+            <p:ph type="title"/>
+          </p:nvPr>
+        </p:nvSpPr>
+        <p:spPr/>
+        <p:txBody>
+          <a:bodyPr/>
+          <a:lstStyle/>
+          <a:p>
+            <a:r>
+              <a:rPr lang="en-US" dirty="0"/>
+              <a:t>Or any topic of interest</a:t>
+            </a:r>
+          </a:p>
+        </p:txBody>
+      </p:sp>
+      <p:sp>
+        <p:nvSpPr>
+          <p:cNvPr id="3" name="Content Placeholder 2">
+            <a:extLst>
+              <a:ext uri="{FF2B5EF4-FFF2-40B4-BE49-F238E27FC236}">
+                <a16:creationId xmlns:a16="http://schemas.microsoft.com/office/drawing/2014/main" id="{051B4AA4-1A7F-167F-7445-BFB07BF82EB1}"/>
+              </a:ext>
+            </a:extLst>
+          </p:cNvPr>
+          <p:cNvSpPr>
+            <a:spLocks noGrp="1"/>
+          </p:cNvSpPr>
+          <p:nvPr>
+            <p:ph idx="1"/>
+          </p:nvPr>
+        </p:nvSpPr>
+        <p:spPr/>
+        <p:txBody>
+          <a:bodyPr/>
+          <a:lstStyle/>
+          <a:p>
+            <a:r>
+              <a:rPr lang="en-US" dirty="0"/>
+              <a:t>Does not have to have to be restricted to psychology or neuroscience</a:t>
+            </a:r>
+          </a:p>
+          <a:p>
+            <a:r>
+              <a:rPr lang="en-US" dirty="0"/>
+              <a:t>Students last year:</a:t>
+            </a:r>
+          </a:p>
+          <a:p>
+            <a:pPr lvl="1"/>
+            <a:r>
+              <a:rPr lang="en-US" dirty="0"/>
+              <a:t>Simulations of expected results of project datasets</a:t>
+            </a:r>
+          </a:p>
+          <a:p>
+            <a:pPr lvl="1"/>
+            <a:r>
+              <a:rPr lang="en-US" dirty="0"/>
+              <a:t>Reanalysis of previous data </a:t>
+            </a:r>
+          </a:p>
+          <a:p>
+            <a:pPr lvl="1"/>
+            <a:r>
+              <a:rPr lang="en-US" dirty="0"/>
+              <a:t>Scottish Premier League Home advantage without fans due to COVID</a:t>
+            </a:r>
+          </a:p>
+          <a:p>
+            <a:pPr lvl="1"/>
+            <a:r>
+              <a:rPr lang="en-US" dirty="0"/>
+              <a:t>Sectarian violence during the troubles</a:t>
+            </a:r>
+          </a:p>
+          <a:p>
+            <a:pPr lvl="1"/>
+            <a:r>
+              <a:rPr lang="en-US" dirty="0"/>
+              <a:t>Popularity of various forms of entertainment over the last few decades</a:t>
+            </a:r>
+          </a:p>
+          <a:p>
+            <a:pPr lvl="1"/>
+            <a:r>
+              <a:rPr lang="en-US" dirty="0"/>
+              <a:t>UK Health and wellbeing</a:t>
+            </a:r>
+          </a:p>
+          <a:p>
+            <a:pPr lvl="1"/>
+            <a:endParaRPr lang="en-US" dirty="0"/>
+          </a:p>
+        </p:txBody>
+      </p:sp>
+    </p:spTree>
+    <p:extLst>
+      <p:ext uri="{BB962C8B-B14F-4D97-AF65-F5344CB8AC3E}">
+        <p14:creationId xmlns:p14="http://schemas.microsoft.com/office/powerpoint/2010/main" val="3815145762"/>
+      </p:ext>
+    </p:extLst>
+  </p:cSld>
+  <p:clrMapOvr>
+    <a:masterClrMapping/>
+  </p:clrMapOvr>
+</p:sld>
+</file>
+
+<file path=ppt/slides/slide7.xml><?xml version="1.0" encoding="utf-8"?>
+<p:sld xmlns:a="http://schemas.openxmlformats.org/drawingml/2006/main" xmlns:r="http://schemas.openxmlformats.org/officeDocument/2006/relationships" xmlns:p="http://schemas.openxmlformats.org/presentationml/2006/main">
+  <p:cSld>
+    <p:spTree>
+      <p:nvGrpSpPr>
+        <p:cNvPr id="1" name=""/>
+        <p:cNvGrpSpPr/>
+        <p:nvPr/>
+      </p:nvGrpSpPr>
+      <p:grpSpPr>
+        <a:xfrm>
+          <a:off x="0" y="0"/>
+          <a:ext cx="0" cy="0"/>
+          <a:chOff x="0" y="0"/>
+          <a:chExt cx="0" cy="0"/>
+        </a:xfrm>
+      </p:grpSpPr>
+      <p:sp>
+        <p:nvSpPr>
+          <p:cNvPr id="4" name="Rectangle 3">
+            <a:extLst>
+              <a:ext uri="{FF2B5EF4-FFF2-40B4-BE49-F238E27FC236}">
+                <a16:creationId xmlns:a16="http://schemas.microsoft.com/office/drawing/2014/main" id="{7B44550A-2085-FE02-2EE7-3614D983E0D0}"/>
+              </a:ext>
+            </a:extLst>
+          </p:cNvPr>
+          <p:cNvSpPr/>
+          <p:nvPr/>
+        </p:nvSpPr>
+        <p:spPr>
+          <a:xfrm>
+            <a:off x="1037186" y="797443"/>
+            <a:ext cx="2524538" cy="2514600"/>
+          </a:xfrm>
+          <a:prstGeom prst="rect">
+            <a:avLst/>
+          </a:prstGeom>
+        </p:spPr>
+        <p:style>
+          <a:lnRef idx="2">
+            <a:schemeClr val="accent1">
+              <a:shade val="50000"/>
+            </a:schemeClr>
+          </a:lnRef>
+          <a:fillRef idx="1">
+            <a:schemeClr val="accent1"/>
+          </a:fillRef>
+          <a:effectRef idx="0">
+            <a:schemeClr val="accent1"/>
+          </a:effectRef>
+          <a:fontRef idx="minor">
+            <a:schemeClr val="lt1"/>
+          </a:fontRef>
+        </p:style>
+        <p:txBody>
+          <a:bodyPr rtlCol="0" anchor="ctr"/>
+          <a:lstStyle/>
+          <a:p>
+            <a:pPr algn="ctr"/>
+            <a:endParaRPr lang="en-US"/>
+          </a:p>
+        </p:txBody>
+      </p:sp>
+      <p:sp>
+        <p:nvSpPr>
+          <p:cNvPr id="5" name="Rectangle 4">
+            <a:extLst>
+              <a:ext uri="{FF2B5EF4-FFF2-40B4-BE49-F238E27FC236}">
+                <a16:creationId xmlns:a16="http://schemas.microsoft.com/office/drawing/2014/main" id="{136E7EFA-5141-C2C9-41CD-AF5FA716C9FC}"/>
+              </a:ext>
+            </a:extLst>
+          </p:cNvPr>
+          <p:cNvSpPr/>
+          <p:nvPr/>
+        </p:nvSpPr>
+        <p:spPr>
+          <a:xfrm>
+            <a:off x="3863212" y="800307"/>
+            <a:ext cx="2524538" cy="2514600"/>
+          </a:xfrm>
+          <a:prstGeom prst="rect">
+            <a:avLst/>
+          </a:prstGeom>
+        </p:spPr>
+        <p:style>
+          <a:lnRef idx="2">
+            <a:schemeClr val="accent1">
+              <a:shade val="50000"/>
+            </a:schemeClr>
+          </a:lnRef>
+          <a:fillRef idx="1">
+            <a:schemeClr val="accent1"/>
+          </a:fillRef>
+          <a:effectRef idx="0">
+            <a:schemeClr val="accent1"/>
+          </a:effectRef>
+          <a:fontRef idx="minor">
+            <a:schemeClr val="lt1"/>
+          </a:fontRef>
+        </p:style>
+        <p:txBody>
+          <a:bodyPr rtlCol="0" anchor="ctr"/>
+          <a:lstStyle/>
+          <a:p>
+            <a:pPr algn="ctr"/>
+            <a:endParaRPr lang="en-US"/>
+          </a:p>
+        </p:txBody>
+      </p:sp>
+      <p:sp>
+        <p:nvSpPr>
+          <p:cNvPr id="6" name="Rectangle 5">
+            <a:extLst>
+              <a:ext uri="{FF2B5EF4-FFF2-40B4-BE49-F238E27FC236}">
+                <a16:creationId xmlns:a16="http://schemas.microsoft.com/office/drawing/2014/main" id="{AF1CCA6B-5ED6-3289-6293-7AAC859D9A22}"/>
+              </a:ext>
+            </a:extLst>
+          </p:cNvPr>
+          <p:cNvSpPr/>
+          <p:nvPr/>
+        </p:nvSpPr>
+        <p:spPr>
+          <a:xfrm>
+            <a:off x="1037186" y="3548270"/>
+            <a:ext cx="2524538" cy="2514600"/>
+          </a:xfrm>
+          <a:prstGeom prst="rect">
+            <a:avLst/>
+          </a:prstGeom>
+        </p:spPr>
+        <p:style>
+          <a:lnRef idx="2">
+            <a:schemeClr val="accent1">
+              <a:shade val="50000"/>
+            </a:schemeClr>
+          </a:lnRef>
+          <a:fillRef idx="1">
+            <a:schemeClr val="accent1"/>
+          </a:fillRef>
+          <a:effectRef idx="0">
+            <a:schemeClr val="accent1"/>
+          </a:effectRef>
+          <a:fontRef idx="minor">
+            <a:schemeClr val="lt1"/>
+          </a:fontRef>
+        </p:style>
+        <p:txBody>
+          <a:bodyPr rtlCol="0" anchor="ctr"/>
+          <a:lstStyle/>
+          <a:p>
+            <a:pPr algn="ctr"/>
+            <a:endParaRPr lang="en-US"/>
+          </a:p>
+        </p:txBody>
+      </p:sp>
+      <p:sp>
+        <p:nvSpPr>
+          <p:cNvPr id="7" name="Rectangle 6">
+            <a:extLst>
+              <a:ext uri="{FF2B5EF4-FFF2-40B4-BE49-F238E27FC236}">
+                <a16:creationId xmlns:a16="http://schemas.microsoft.com/office/drawing/2014/main" id="{5CEF903B-C852-67C8-4E75-1A0FB01A8DF6}"/>
+              </a:ext>
+            </a:extLst>
+          </p:cNvPr>
+          <p:cNvSpPr/>
+          <p:nvPr/>
+        </p:nvSpPr>
+        <p:spPr>
+          <a:xfrm>
+            <a:off x="3863212" y="3548270"/>
+            <a:ext cx="2524538" cy="2514600"/>
+          </a:xfrm>
+          <a:prstGeom prst="rect">
+            <a:avLst/>
+          </a:prstGeom>
+        </p:spPr>
+        <p:style>
+          <a:lnRef idx="2">
+            <a:schemeClr val="accent1">
+              <a:shade val="50000"/>
+            </a:schemeClr>
+          </a:lnRef>
+          <a:fillRef idx="1">
+            <a:schemeClr val="accent1"/>
+          </a:fillRef>
+          <a:effectRef idx="0">
+            <a:schemeClr val="accent1"/>
+          </a:effectRef>
+          <a:fontRef idx="minor">
+            <a:schemeClr val="lt1"/>
+          </a:fontRef>
+        </p:style>
+        <p:txBody>
+          <a:bodyPr rtlCol="0" anchor="ctr"/>
+          <a:lstStyle/>
+          <a:p>
+            <a:pPr algn="ctr"/>
+            <a:endParaRPr lang="en-US"/>
+          </a:p>
+        </p:txBody>
+      </p:sp>
+      <p:sp>
+        <p:nvSpPr>
+          <p:cNvPr id="8" name="TextBox 7">
+            <a:extLst>
+              <a:ext uri="{FF2B5EF4-FFF2-40B4-BE49-F238E27FC236}">
+                <a16:creationId xmlns:a16="http://schemas.microsoft.com/office/drawing/2014/main" id="{72D70A6F-2AE4-615C-98DC-25EF3CF24365}"/>
+              </a:ext>
+            </a:extLst>
+          </p:cNvPr>
+          <p:cNvSpPr txBox="1"/>
+          <p:nvPr/>
+        </p:nvSpPr>
+        <p:spPr>
+          <a:xfrm>
+            <a:off x="222177" y="1848679"/>
+            <a:ext cx="444352" cy="707886"/>
+          </a:xfrm>
+          <a:prstGeom prst="rect">
+            <a:avLst/>
+          </a:prstGeom>
+          <a:noFill/>
+        </p:spPr>
+        <p:txBody>
+          <a:bodyPr wrap="none" rtlCol="0">
+            <a:spAutoFit/>
+          </a:bodyPr>
+          <a:lstStyle/>
+          <a:p>
+            <a:r>
+              <a:rPr lang="en-US" sz="4000" dirty="0"/>
+              <a:t>1</a:t>
+            </a:r>
+          </a:p>
+        </p:txBody>
+      </p:sp>
+      <p:sp>
+        <p:nvSpPr>
+          <p:cNvPr id="9" name="TextBox 8">
+            <a:extLst>
+              <a:ext uri="{FF2B5EF4-FFF2-40B4-BE49-F238E27FC236}">
+                <a16:creationId xmlns:a16="http://schemas.microsoft.com/office/drawing/2014/main" id="{1695D716-1075-3812-78E7-B3AA75F81873}"/>
+              </a:ext>
+            </a:extLst>
+          </p:cNvPr>
+          <p:cNvSpPr txBox="1"/>
+          <p:nvPr/>
+        </p:nvSpPr>
+        <p:spPr>
+          <a:xfrm>
+            <a:off x="219914" y="4451627"/>
+            <a:ext cx="444352" cy="707886"/>
+          </a:xfrm>
+          <a:prstGeom prst="rect">
+            <a:avLst/>
+          </a:prstGeom>
+          <a:noFill/>
+        </p:spPr>
+        <p:txBody>
+          <a:bodyPr wrap="none" rtlCol="0">
+            <a:spAutoFit/>
+          </a:bodyPr>
+          <a:lstStyle/>
+          <a:p>
+            <a:r>
+              <a:rPr lang="en-US" sz="4000" dirty="0"/>
+              <a:t>1</a:t>
+            </a:r>
+          </a:p>
+        </p:txBody>
+      </p:sp>
+      <p:sp>
+        <p:nvSpPr>
+          <p:cNvPr id="10" name="TextBox 9">
+            <a:extLst>
+              <a:ext uri="{FF2B5EF4-FFF2-40B4-BE49-F238E27FC236}">
+                <a16:creationId xmlns:a16="http://schemas.microsoft.com/office/drawing/2014/main" id="{3A8A2C2B-556A-B94C-B1D8-207D7B1210CC}"/>
+              </a:ext>
+            </a:extLst>
+          </p:cNvPr>
+          <p:cNvSpPr txBox="1"/>
+          <p:nvPr/>
+        </p:nvSpPr>
+        <p:spPr>
+          <a:xfrm>
+            <a:off x="2242728" y="54320"/>
+            <a:ext cx="444352" cy="707886"/>
+          </a:xfrm>
+          <a:prstGeom prst="rect">
+            <a:avLst/>
+          </a:prstGeom>
+          <a:noFill/>
+        </p:spPr>
+        <p:txBody>
+          <a:bodyPr wrap="none" rtlCol="0">
+            <a:spAutoFit/>
+          </a:bodyPr>
+          <a:lstStyle/>
+          <a:p>
+            <a:r>
+              <a:rPr lang="en-US" sz="4000" dirty="0"/>
+              <a:t>1</a:t>
+            </a:r>
+          </a:p>
+        </p:txBody>
+      </p:sp>
+      <p:sp>
+        <p:nvSpPr>
+          <p:cNvPr id="11" name="TextBox 10">
+            <a:extLst>
+              <a:ext uri="{FF2B5EF4-FFF2-40B4-BE49-F238E27FC236}">
+                <a16:creationId xmlns:a16="http://schemas.microsoft.com/office/drawing/2014/main" id="{A49334BF-89D4-E0C0-B2A7-880CAB45FAD8}"/>
+              </a:ext>
+            </a:extLst>
+          </p:cNvPr>
+          <p:cNvSpPr txBox="1"/>
+          <p:nvPr/>
+        </p:nvSpPr>
+        <p:spPr>
+          <a:xfrm>
+            <a:off x="5068754" y="54320"/>
+            <a:ext cx="444352" cy="707886"/>
+          </a:xfrm>
+          <a:prstGeom prst="rect">
+            <a:avLst/>
+          </a:prstGeom>
+          <a:noFill/>
+        </p:spPr>
+        <p:txBody>
+          <a:bodyPr wrap="none" rtlCol="0">
+            <a:spAutoFit/>
+          </a:bodyPr>
+          <a:lstStyle/>
+          <a:p>
+            <a:r>
+              <a:rPr lang="en-US" sz="4000" dirty="0"/>
+              <a:t>1</a:t>
+            </a:r>
+          </a:p>
+        </p:txBody>
+      </p:sp>
+      <p:sp>
+        <p:nvSpPr>
+          <p:cNvPr id="12" name="TextBox 11">
+            <a:extLst>
+              <a:ext uri="{FF2B5EF4-FFF2-40B4-BE49-F238E27FC236}">
+                <a16:creationId xmlns:a16="http://schemas.microsoft.com/office/drawing/2014/main" id="{C7D884F5-C1C9-C2D3-5BCD-701370B81B5F}"/>
+              </a:ext>
+            </a:extLst>
+          </p:cNvPr>
+          <p:cNvSpPr txBox="1"/>
+          <p:nvPr/>
+        </p:nvSpPr>
+        <p:spPr>
+          <a:xfrm>
+            <a:off x="7536769" y="3550264"/>
+            <a:ext cx="2970044" cy="1323439"/>
+          </a:xfrm>
+          <a:prstGeom prst="rect">
+            <a:avLst/>
+          </a:prstGeom>
+          <a:noFill/>
+        </p:spPr>
+        <p:txBody>
+          <a:bodyPr wrap="none" rtlCol="0">
+            <a:spAutoFit/>
+          </a:bodyPr>
+          <a:lstStyle/>
+          <a:p>
+            <a:r>
+              <a:rPr lang="en-US" sz="4000" dirty="0"/>
+              <a:t>Square Area: </a:t>
+            </a:r>
+          </a:p>
+          <a:p>
+            <a:r>
+              <a:rPr lang="en-US" sz="4000" dirty="0"/>
+              <a:t>1+1+1+1=4</a:t>
+            </a:r>
+          </a:p>
+        </p:txBody>
+      </p:sp>
+      <p:sp>
+        <p:nvSpPr>
+          <p:cNvPr id="13" name="TextBox 12">
+            <a:extLst>
+              <a:ext uri="{FF2B5EF4-FFF2-40B4-BE49-F238E27FC236}">
+                <a16:creationId xmlns:a16="http://schemas.microsoft.com/office/drawing/2014/main" id="{C459A816-71B8-E673-6E35-6A2F227DBC83}"/>
+              </a:ext>
+            </a:extLst>
+          </p:cNvPr>
+          <p:cNvSpPr txBox="1"/>
+          <p:nvPr/>
+        </p:nvSpPr>
+        <p:spPr>
+          <a:xfrm>
+            <a:off x="7536769" y="1938131"/>
+            <a:ext cx="3101811" cy="707886"/>
+          </a:xfrm>
+          <a:prstGeom prst="rect">
+            <a:avLst/>
+          </a:prstGeom>
+          <a:noFill/>
+        </p:spPr>
+        <p:txBody>
+          <a:bodyPr wrap="none" rtlCol="0">
+            <a:spAutoFit/>
+          </a:bodyPr>
+          <a:lstStyle/>
+          <a:p>
+            <a:r>
+              <a:rPr lang="en-US" sz="4000" dirty="0"/>
+              <a:t>Square side: 2</a:t>
+            </a:r>
+          </a:p>
+        </p:txBody>
+      </p:sp>
+    </p:spTree>
+    <p:extLst>
+      <p:ext uri="{BB962C8B-B14F-4D97-AF65-F5344CB8AC3E}">
+        <p14:creationId xmlns:p14="http://schemas.microsoft.com/office/powerpoint/2010/main" val="1118454433"/>
       </p:ext>
     </p:extLst>
   </p:cSld>
